--- a/NFT Vision Hack Deck.pptx
+++ b/NFT Vision Hack Deck.pptx
@@ -1047,7 +1047,7 @@
         </p:nvSpPr>
         <p:spPr>
           <a:xfrm>
-            <a:off x="381300" y="685800"/>
+            <a:off x="381000" y="685800"/>
             <a:ext cx="6096000" cy="3429000"/>
           </a:xfrm>
           <a:custGeom>
@@ -1151,7 +1151,7 @@
         </p:nvSpPr>
         <p:spPr>
           <a:xfrm>
-            <a:off x="381300" y="685800"/>
+            <a:off x="381000" y="685800"/>
             <a:ext cx="6096000" cy="3429000"/>
           </a:xfrm>
           <a:custGeom>
@@ -1255,7 +1255,7 @@
         </p:nvSpPr>
         <p:spPr>
           <a:xfrm>
-            <a:off x="381300" y="685800"/>
+            <a:off x="381000" y="685800"/>
             <a:ext cx="6096000" cy="3429000"/>
           </a:xfrm>
           <a:custGeom>
@@ -1999,110 +1999,6 @@
       <p:sp>
         <p:nvSpPr>
           <p:cNvPr id="47" name="Google Shape;47;p11"/>
-          <p:cNvSpPr txBox="1">
-            <a:spLocks noGrp="1"/>
-          </p:cNvSpPr>
-          <p:nvPr>
-            <p:ph type="sldNum" idx="12"/>
-          </p:nvPr>
-        </p:nvSpPr>
-        <p:spPr>
-          <a:xfrm>
-            <a:off x="8472458" y="4663217"/>
-            <a:ext cx="548700" cy="393600"/>
-          </a:xfrm>
-          <a:prstGeom prst="rect">
-            <a:avLst/>
-          </a:prstGeom>
-        </p:spPr>
-        <p:txBody>
-          <a:bodyPr spcFirstLastPara="1" wrap="square" lIns="91425" tIns="91425" rIns="91425" bIns="91425" anchor="ctr" anchorCtr="0">
-            <a:normAutofit/>
-          </a:bodyPr>
-          <a:lstStyle>
-            <a:lvl1pPr lvl="0">
-              <a:buNone/>
-              <a:defRPr/>
-            </a:lvl1pPr>
-            <a:lvl2pPr lvl="1">
-              <a:buNone/>
-              <a:defRPr/>
-            </a:lvl2pPr>
-            <a:lvl3pPr lvl="2">
-              <a:buNone/>
-              <a:defRPr/>
-            </a:lvl3pPr>
-            <a:lvl4pPr lvl="3">
-              <a:buNone/>
-              <a:defRPr/>
-            </a:lvl4pPr>
-            <a:lvl5pPr lvl="4">
-              <a:buNone/>
-              <a:defRPr/>
-            </a:lvl5pPr>
-            <a:lvl6pPr lvl="5">
-              <a:buNone/>
-              <a:defRPr/>
-            </a:lvl6pPr>
-            <a:lvl7pPr lvl="6">
-              <a:buNone/>
-              <a:defRPr/>
-            </a:lvl7pPr>
-            <a:lvl8pPr lvl="7">
-              <a:buNone/>
-              <a:defRPr/>
-            </a:lvl8pPr>
-            <a:lvl9pPr lvl="8">
-              <a:buNone/>
-              <a:defRPr/>
-            </a:lvl9pPr>
-          </a:lstStyle>
-          <a:p>
-            <a:pPr marL="0" lvl="0" indent="0" algn="r" rtl="0">
-              <a:spcBef>
-                <a:spcPts val="0"/>
-              </a:spcBef>
-              <a:spcAft>
-                <a:spcPts val="0"/>
-              </a:spcAft>
-              <a:buNone/>
-            </a:pPr>
-            <a:fld id="{00000000-1234-1234-1234-123412341234}" type="slidenum">
-              <a:rPr lang="en"/>
-              <a:t>‹#›</a:t>
-            </a:fld>
-            <a:endParaRPr/>
-          </a:p>
-        </p:txBody>
-      </p:sp>
-    </p:spTree>
-  </p:cSld>
-  <p:clrMapOvr>
-    <a:masterClrMapping/>
-  </p:clrMapOvr>
-</p:sldLayout>
-</file>
-
-<file path=ppt/slideLayouts/slideLayout11.xml><?xml version="1.0" encoding="utf-8"?>
-<p:sldLayout xmlns:a="http://schemas.openxmlformats.org/drawingml/2006/main" xmlns:r="http://schemas.openxmlformats.org/officeDocument/2006/relationships" xmlns:p="http://schemas.openxmlformats.org/presentationml/2006/main" matchingName="Blank" type="blank">
-  <p:cSld name="BLANK">
-    <p:spTree>
-      <p:nvGrpSpPr>
-        <p:cNvPr id="1" name="Shape 48"/>
-        <p:cNvGrpSpPr/>
-        <p:nvPr/>
-      </p:nvGrpSpPr>
-      <p:grpSpPr>
-        <a:xfrm>
-          <a:off x="0" y="0"/>
-          <a:ext cx="0" cy="0"/>
-          <a:chOff x="0" y="0"/>
-          <a:chExt cx="0" cy="0"/>
-        </a:xfrm>
-      </p:grpSpPr>
-      <p:sp>
-        <p:nvSpPr>
-          <p:cNvPr id="49" name="Google Shape;49;p12"/>
           <p:cNvSpPr txBox="1">
             <a:spLocks noGrp="1"/>
           </p:cNvSpPr>
@@ -5384,7 +5280,6 @@
     <p:sldLayoutId id="2147483655" r:id="rId8"/>
     <p:sldLayoutId id="2147483656" r:id="rId9"/>
     <p:sldLayoutId id="2147483657" r:id="rId10"/>
-    <p:sldLayoutId id="2147483658" r:id="rId11"/>
   </p:sldLayoutIdLst>
   <p:hf sldNum="0" hdr="0" ftr="0" dt="0"/>
   <p:txStyles>
@@ -6370,7 +6265,7 @@
               <a:buNone/>
             </a:pPr>
             <a:r>
-              <a:rPr lang="en">
+              <a:rPr lang="en" dirty="0">
                 <a:solidFill>
                   <a:schemeClr val="lt1"/>
                 </a:solidFill>
@@ -6379,9 +6274,9 @@
                 <a:cs typeface="Source Sans Pro"/>
                 <a:sym typeface="Source Sans Pro"/>
               </a:rPr>
-              <a:t>[Introduce your team by including background, skill set, etc.]</a:t>
+              <a:t>…and we are the crazy ones, the misfits, the rebels, the troublemakers. The round pegs in the square holes.</a:t>
             </a:r>
-            <a:endParaRPr>
+            <a:endParaRPr dirty="0">
               <a:solidFill>
                 <a:schemeClr val="lt1"/>
               </a:solidFill>
@@ -6393,6 +6288,1078 @@
           </a:p>
         </p:txBody>
       </p:sp>
+      <p:grpSp>
+        <p:nvGrpSpPr>
+          <p:cNvPr id="11" name="Group 4">
+            <a:extLst>
+              <a:ext uri="{FF2B5EF4-FFF2-40B4-BE49-F238E27FC236}">
+                <a16:creationId xmlns:a16="http://schemas.microsoft.com/office/drawing/2014/main" id="{7E650A17-F52E-1344-9358-16E1CED67FC7}"/>
+              </a:ext>
+            </a:extLst>
+          </p:cNvPr>
+          <p:cNvGrpSpPr>
+            <a:grpSpLocks noChangeAspect="1"/>
+          </p:cNvGrpSpPr>
+          <p:nvPr/>
+        </p:nvGrpSpPr>
+        <p:grpSpPr>
+          <a:xfrm>
+            <a:off x="1869518" y="2193559"/>
+            <a:ext cx="2149874" cy="2100113"/>
+            <a:chOff x="0" y="0"/>
+            <a:chExt cx="4828540" cy="4716780"/>
+          </a:xfrm>
+        </p:grpSpPr>
+        <p:sp>
+          <p:nvSpPr>
+            <p:cNvPr id="12" name="Freeform 5">
+              <a:extLst>
+                <a:ext uri="{FF2B5EF4-FFF2-40B4-BE49-F238E27FC236}">
+                  <a16:creationId xmlns:a16="http://schemas.microsoft.com/office/drawing/2014/main" id="{1C644578-390D-EA42-86AD-93A7ADEB2EB4}"/>
+                </a:ext>
+              </a:extLst>
+            </p:cNvPr>
+            <p:cNvSpPr/>
+            <p:nvPr/>
+          </p:nvSpPr>
+          <p:spPr>
+            <a:xfrm>
+              <a:off x="0" y="-7620"/>
+              <a:ext cx="4833620" cy="4726940"/>
+            </a:xfrm>
+            <a:custGeom>
+              <a:avLst/>
+              <a:gdLst/>
+              <a:ahLst/>
+              <a:cxnLst/>
+              <a:rect l="l" t="t" r="r" b="b"/>
+              <a:pathLst>
+                <a:path w="4833620" h="4726940">
+                  <a:moveTo>
+                    <a:pt x="3416300" y="4662170"/>
+                  </a:moveTo>
+                  <a:cubicBezTo>
+                    <a:pt x="3388360" y="4669790"/>
+                    <a:pt x="3366770" y="4679950"/>
+                    <a:pt x="3345180" y="4682490"/>
+                  </a:cubicBezTo>
+                  <a:cubicBezTo>
+                    <a:pt x="3223260" y="4692650"/>
+                    <a:pt x="3102610" y="4702810"/>
+                    <a:pt x="2980690" y="4711700"/>
+                  </a:cubicBezTo>
+                  <a:cubicBezTo>
+                    <a:pt x="2918460" y="4715510"/>
+                    <a:pt x="2856230" y="4719320"/>
+                    <a:pt x="2794000" y="4720590"/>
+                  </a:cubicBezTo>
+                  <a:cubicBezTo>
+                    <a:pt x="2726690" y="4723130"/>
+                    <a:pt x="2659380" y="4726940"/>
+                    <a:pt x="2593340" y="4724400"/>
+                  </a:cubicBezTo>
+                  <a:cubicBezTo>
+                    <a:pt x="2529840" y="4723130"/>
+                    <a:pt x="2466340" y="4719320"/>
+                    <a:pt x="2405380" y="4707890"/>
+                  </a:cubicBezTo>
+                  <a:cubicBezTo>
+                    <a:pt x="2326640" y="4693920"/>
+                    <a:pt x="2246630" y="4693920"/>
+                    <a:pt x="2169160" y="4681220"/>
+                  </a:cubicBezTo>
+                  <a:cubicBezTo>
+                    <a:pt x="1967230" y="4648200"/>
+                    <a:pt x="1761490" y="4657090"/>
+                    <a:pt x="1558290" y="4643120"/>
+                  </a:cubicBezTo>
+                  <a:cubicBezTo>
+                    <a:pt x="1443990" y="4635500"/>
+                    <a:pt x="1329690" y="4617720"/>
+                    <a:pt x="1215390" y="4602480"/>
+                  </a:cubicBezTo>
+                  <a:cubicBezTo>
+                    <a:pt x="1085850" y="4585970"/>
+                    <a:pt x="956310" y="4566920"/>
+                    <a:pt x="825500" y="4549140"/>
+                  </a:cubicBezTo>
+                  <a:cubicBezTo>
+                    <a:pt x="730250" y="4536440"/>
+                    <a:pt x="633730" y="4523740"/>
+                    <a:pt x="538480" y="4511040"/>
+                  </a:cubicBezTo>
+                  <a:cubicBezTo>
+                    <a:pt x="535940" y="4511040"/>
+                    <a:pt x="533400" y="4509770"/>
+                    <a:pt x="530860" y="4509770"/>
+                  </a:cubicBezTo>
+                  <a:cubicBezTo>
+                    <a:pt x="450850" y="4475479"/>
+                    <a:pt x="365760" y="4448810"/>
+                    <a:pt x="292100" y="4404360"/>
+                  </a:cubicBezTo>
+                  <a:cubicBezTo>
+                    <a:pt x="167640" y="4328160"/>
+                    <a:pt x="114300" y="4206240"/>
+                    <a:pt x="109220" y="4062730"/>
+                  </a:cubicBezTo>
+                  <a:cubicBezTo>
+                    <a:pt x="107950" y="4013200"/>
+                    <a:pt x="101600" y="3964940"/>
+                    <a:pt x="101600" y="3915410"/>
+                  </a:cubicBezTo>
+                  <a:cubicBezTo>
+                    <a:pt x="102870" y="3846830"/>
+                    <a:pt x="107950" y="3779520"/>
+                    <a:pt x="111760" y="3712210"/>
+                  </a:cubicBezTo>
+                  <a:cubicBezTo>
+                    <a:pt x="121920" y="3511550"/>
+                    <a:pt x="127000" y="3310890"/>
+                    <a:pt x="111760" y="3110230"/>
+                  </a:cubicBezTo>
+                  <a:cubicBezTo>
+                    <a:pt x="97790" y="2929890"/>
+                    <a:pt x="85090" y="2750820"/>
+                    <a:pt x="71120" y="2570480"/>
+                  </a:cubicBezTo>
+                  <a:cubicBezTo>
+                    <a:pt x="62230" y="2454910"/>
+                    <a:pt x="50800" y="2340610"/>
+                    <a:pt x="43180" y="2225040"/>
+                  </a:cubicBezTo>
+                  <a:cubicBezTo>
+                    <a:pt x="38100" y="2148840"/>
+                    <a:pt x="39370" y="2071370"/>
+                    <a:pt x="34290" y="1995170"/>
+                  </a:cubicBezTo>
+                  <a:cubicBezTo>
+                    <a:pt x="31750" y="1951990"/>
+                    <a:pt x="17780" y="1910080"/>
+                    <a:pt x="16510" y="1866900"/>
+                  </a:cubicBezTo>
+                  <a:cubicBezTo>
+                    <a:pt x="11430" y="1762760"/>
+                    <a:pt x="10160" y="1657350"/>
+                    <a:pt x="7620" y="1551940"/>
+                  </a:cubicBezTo>
+                  <a:cubicBezTo>
+                    <a:pt x="6350" y="1511300"/>
+                    <a:pt x="0" y="1470660"/>
+                    <a:pt x="1270" y="1430020"/>
+                  </a:cubicBezTo>
+                  <a:cubicBezTo>
+                    <a:pt x="2540" y="1366520"/>
+                    <a:pt x="10160" y="1303020"/>
+                    <a:pt x="11430" y="1239520"/>
+                  </a:cubicBezTo>
+                  <a:cubicBezTo>
+                    <a:pt x="12700" y="1165860"/>
+                    <a:pt x="5080" y="1092200"/>
+                    <a:pt x="7620" y="1019810"/>
+                  </a:cubicBezTo>
+                  <a:cubicBezTo>
+                    <a:pt x="7620" y="949960"/>
+                    <a:pt x="16510" y="881380"/>
+                    <a:pt x="25400" y="811530"/>
+                  </a:cubicBezTo>
+                  <a:cubicBezTo>
+                    <a:pt x="27940" y="787400"/>
+                    <a:pt x="45720" y="765810"/>
+                    <a:pt x="50800" y="741680"/>
+                  </a:cubicBezTo>
+                  <a:cubicBezTo>
+                    <a:pt x="72390" y="622300"/>
+                    <a:pt x="95250" y="502920"/>
+                    <a:pt x="151130" y="392430"/>
+                  </a:cubicBezTo>
+                  <a:cubicBezTo>
+                    <a:pt x="163830" y="368300"/>
+                    <a:pt x="184150" y="346710"/>
+                    <a:pt x="203200" y="327660"/>
+                  </a:cubicBezTo>
+                  <a:cubicBezTo>
+                    <a:pt x="209550" y="321310"/>
+                    <a:pt x="224790" y="325120"/>
+                    <a:pt x="228600" y="325120"/>
+                  </a:cubicBezTo>
+                  <a:cubicBezTo>
+                    <a:pt x="237490" y="308610"/>
+                    <a:pt x="242570" y="292100"/>
+                    <a:pt x="252730" y="284480"/>
+                  </a:cubicBezTo>
+                  <a:cubicBezTo>
+                    <a:pt x="307340" y="242570"/>
+                    <a:pt x="364490" y="212090"/>
+                    <a:pt x="435610" y="204470"/>
+                  </a:cubicBezTo>
+                  <a:cubicBezTo>
+                    <a:pt x="488950" y="198120"/>
+                    <a:pt x="541020" y="175260"/>
+                    <a:pt x="594360" y="162560"/>
+                  </a:cubicBezTo>
+                  <a:cubicBezTo>
+                    <a:pt x="659130" y="147320"/>
+                    <a:pt x="723900" y="129540"/>
+                    <a:pt x="791210" y="120650"/>
+                  </a:cubicBezTo>
+                  <a:cubicBezTo>
+                    <a:pt x="852170" y="113030"/>
+                    <a:pt x="910590" y="96520"/>
+                    <a:pt x="972820" y="91440"/>
+                  </a:cubicBezTo>
+                  <a:cubicBezTo>
+                    <a:pt x="1036320" y="86360"/>
+                    <a:pt x="1099820" y="71120"/>
+                    <a:pt x="1164590" y="66040"/>
+                  </a:cubicBezTo>
+                  <a:cubicBezTo>
+                    <a:pt x="1339850" y="53340"/>
+                    <a:pt x="1516380" y="44450"/>
+                    <a:pt x="1691640" y="34290"/>
+                  </a:cubicBezTo>
+                  <a:cubicBezTo>
+                    <a:pt x="1734820" y="31750"/>
+                    <a:pt x="1778000" y="34290"/>
+                    <a:pt x="1821180" y="35560"/>
+                  </a:cubicBezTo>
+                  <a:cubicBezTo>
+                    <a:pt x="1842770" y="36830"/>
+                    <a:pt x="1864360" y="41910"/>
+                    <a:pt x="1887220" y="44450"/>
+                  </a:cubicBezTo>
+                  <a:cubicBezTo>
+                    <a:pt x="1897380" y="45720"/>
+                    <a:pt x="1907540" y="41910"/>
+                    <a:pt x="1917700" y="41910"/>
+                  </a:cubicBezTo>
+                  <a:cubicBezTo>
+                    <a:pt x="1948180" y="41910"/>
+                    <a:pt x="1979930" y="41910"/>
+                    <a:pt x="2010410" y="40640"/>
+                  </a:cubicBezTo>
+                  <a:cubicBezTo>
+                    <a:pt x="2068830" y="38100"/>
+                    <a:pt x="2128520" y="31750"/>
+                    <a:pt x="2186940" y="31750"/>
+                  </a:cubicBezTo>
+                  <a:cubicBezTo>
+                    <a:pt x="2244090" y="31750"/>
+                    <a:pt x="2301240" y="35560"/>
+                    <a:pt x="2358390" y="38100"/>
+                  </a:cubicBezTo>
+                  <a:lnTo>
+                    <a:pt x="2404110" y="38100"/>
+                  </a:lnTo>
+                  <a:cubicBezTo>
+                    <a:pt x="2473960" y="35560"/>
+                    <a:pt x="2542540" y="35560"/>
+                    <a:pt x="2612390" y="31750"/>
+                  </a:cubicBezTo>
+                  <a:cubicBezTo>
+                    <a:pt x="2679700" y="27940"/>
+                    <a:pt x="2745740" y="19050"/>
+                    <a:pt x="2813050" y="15240"/>
+                  </a:cubicBezTo>
+                  <a:cubicBezTo>
+                    <a:pt x="2844800" y="12700"/>
+                    <a:pt x="2877820" y="12700"/>
+                    <a:pt x="2909570" y="19050"/>
+                  </a:cubicBezTo>
+                  <a:cubicBezTo>
+                    <a:pt x="2957830" y="27940"/>
+                    <a:pt x="3003550" y="33020"/>
+                    <a:pt x="3051810" y="19050"/>
+                  </a:cubicBezTo>
+                  <a:cubicBezTo>
+                    <a:pt x="3069590" y="13970"/>
+                    <a:pt x="3092450" y="22860"/>
+                    <a:pt x="3112770" y="25400"/>
+                  </a:cubicBezTo>
+                  <a:cubicBezTo>
+                    <a:pt x="3121660" y="26670"/>
+                    <a:pt x="3131820" y="29210"/>
+                    <a:pt x="3136900" y="25400"/>
+                  </a:cubicBezTo>
+                  <a:cubicBezTo>
+                    <a:pt x="3171190" y="0"/>
+                    <a:pt x="3202940" y="6350"/>
+                    <a:pt x="3235960" y="27940"/>
+                  </a:cubicBezTo>
+                  <a:cubicBezTo>
+                    <a:pt x="3239770" y="30480"/>
+                    <a:pt x="3249930" y="24130"/>
+                    <a:pt x="3257550" y="24130"/>
+                  </a:cubicBezTo>
+                  <a:cubicBezTo>
+                    <a:pt x="3288030" y="24130"/>
+                    <a:pt x="3318510" y="24130"/>
+                    <a:pt x="3350260" y="25400"/>
+                  </a:cubicBezTo>
+                  <a:cubicBezTo>
+                    <a:pt x="3373120" y="26670"/>
+                    <a:pt x="3394710" y="34290"/>
+                    <a:pt x="3417570" y="36830"/>
+                  </a:cubicBezTo>
+                  <a:cubicBezTo>
+                    <a:pt x="3467100" y="43180"/>
+                    <a:pt x="3517900" y="53340"/>
+                    <a:pt x="3568700" y="53340"/>
+                  </a:cubicBezTo>
+                  <a:cubicBezTo>
+                    <a:pt x="3663950" y="54610"/>
+                    <a:pt x="3759200" y="58420"/>
+                    <a:pt x="3853180" y="78740"/>
+                  </a:cubicBezTo>
+                  <a:cubicBezTo>
+                    <a:pt x="3940809" y="97790"/>
+                    <a:pt x="4030980" y="97790"/>
+                    <a:pt x="4119880" y="113030"/>
+                  </a:cubicBezTo>
+                  <a:cubicBezTo>
+                    <a:pt x="4173220" y="121920"/>
+                    <a:pt x="4227830" y="138430"/>
+                    <a:pt x="4273550" y="165100"/>
+                  </a:cubicBezTo>
+                  <a:cubicBezTo>
+                    <a:pt x="4323080" y="193040"/>
+                    <a:pt x="4361180" y="238760"/>
+                    <a:pt x="4405630" y="276860"/>
+                  </a:cubicBezTo>
+                  <a:cubicBezTo>
+                    <a:pt x="4422139" y="290830"/>
+                    <a:pt x="4446270" y="300990"/>
+                    <a:pt x="4457700" y="318770"/>
+                  </a:cubicBezTo>
+                  <a:cubicBezTo>
+                    <a:pt x="4490720" y="367030"/>
+                    <a:pt x="4519930" y="417830"/>
+                    <a:pt x="4549140" y="468630"/>
+                  </a:cubicBezTo>
+                  <a:cubicBezTo>
+                    <a:pt x="4570730" y="505460"/>
+                    <a:pt x="4592320" y="543560"/>
+                    <a:pt x="4608830" y="581660"/>
+                  </a:cubicBezTo>
+                  <a:cubicBezTo>
+                    <a:pt x="4626610" y="626110"/>
+                    <a:pt x="4640580" y="671830"/>
+                    <a:pt x="4654550" y="718820"/>
+                  </a:cubicBezTo>
+                  <a:cubicBezTo>
+                    <a:pt x="4676140" y="792480"/>
+                    <a:pt x="4701540" y="866140"/>
+                    <a:pt x="4715510" y="942340"/>
+                  </a:cubicBezTo>
+                  <a:cubicBezTo>
+                    <a:pt x="4735830" y="1049020"/>
+                    <a:pt x="4745990" y="1158240"/>
+                    <a:pt x="4761230" y="1266190"/>
+                  </a:cubicBezTo>
+                  <a:cubicBezTo>
+                    <a:pt x="4766310" y="1301750"/>
+                    <a:pt x="4772660" y="1337310"/>
+                    <a:pt x="4775200" y="1372870"/>
+                  </a:cubicBezTo>
+                  <a:cubicBezTo>
+                    <a:pt x="4782820" y="1474470"/>
+                    <a:pt x="4787900" y="1574800"/>
+                    <a:pt x="4794250" y="1676400"/>
+                  </a:cubicBezTo>
+                  <a:cubicBezTo>
+                    <a:pt x="4803140" y="1802130"/>
+                    <a:pt x="4815840" y="1926590"/>
+                    <a:pt x="4822190" y="2052320"/>
+                  </a:cubicBezTo>
+                  <a:cubicBezTo>
+                    <a:pt x="4828540" y="2172970"/>
+                    <a:pt x="4833620" y="2294890"/>
+                    <a:pt x="4831080" y="2416810"/>
+                  </a:cubicBezTo>
+                  <a:cubicBezTo>
+                    <a:pt x="4827270" y="2620010"/>
+                    <a:pt x="4817110" y="2821940"/>
+                    <a:pt x="4806950" y="3025140"/>
+                  </a:cubicBezTo>
+                  <a:cubicBezTo>
+                    <a:pt x="4800600" y="3150870"/>
+                    <a:pt x="4791710" y="3275330"/>
+                    <a:pt x="4779010" y="3399790"/>
+                  </a:cubicBezTo>
+                  <a:cubicBezTo>
+                    <a:pt x="4766310" y="3524250"/>
+                    <a:pt x="4747260" y="3647440"/>
+                    <a:pt x="4733290" y="3771900"/>
+                  </a:cubicBezTo>
+                  <a:cubicBezTo>
+                    <a:pt x="4723130" y="3858260"/>
+                    <a:pt x="4720590" y="3944620"/>
+                    <a:pt x="4709160" y="4029710"/>
+                  </a:cubicBezTo>
+                  <a:cubicBezTo>
+                    <a:pt x="4699000" y="4107180"/>
+                    <a:pt x="4660900" y="4175760"/>
+                    <a:pt x="4610100" y="4232910"/>
+                  </a:cubicBezTo>
+                  <a:cubicBezTo>
+                    <a:pt x="4568191" y="4281170"/>
+                    <a:pt x="4535170" y="4335780"/>
+                    <a:pt x="4491991" y="4382770"/>
+                  </a:cubicBezTo>
+                  <a:cubicBezTo>
+                    <a:pt x="4453891" y="4424679"/>
+                    <a:pt x="4411981" y="4466590"/>
+                    <a:pt x="4345941" y="4467860"/>
+                  </a:cubicBezTo>
+                  <a:cubicBezTo>
+                    <a:pt x="4330700" y="4467860"/>
+                    <a:pt x="4316731" y="4483100"/>
+                    <a:pt x="4301491" y="4490720"/>
+                  </a:cubicBezTo>
+                  <a:cubicBezTo>
+                    <a:pt x="4236720" y="4518660"/>
+                    <a:pt x="4169411" y="4542790"/>
+                    <a:pt x="4105911" y="4573270"/>
+                  </a:cubicBezTo>
+                  <a:cubicBezTo>
+                    <a:pt x="3989070" y="4629150"/>
+                    <a:pt x="3863341" y="4638040"/>
+                    <a:pt x="3737611" y="4643120"/>
+                  </a:cubicBezTo>
+                  <a:cubicBezTo>
+                    <a:pt x="3689351" y="4645660"/>
+                    <a:pt x="3639820" y="4641850"/>
+                    <a:pt x="3591561" y="4645660"/>
+                  </a:cubicBezTo>
+                  <a:cubicBezTo>
+                    <a:pt x="3567431" y="4646930"/>
+                    <a:pt x="3544570" y="4658360"/>
+                    <a:pt x="3521711" y="4663440"/>
+                  </a:cubicBezTo>
+                  <a:cubicBezTo>
+                    <a:pt x="3511551" y="4665980"/>
+                    <a:pt x="3501391" y="4664710"/>
+                    <a:pt x="3489961" y="4665980"/>
+                  </a:cubicBezTo>
+                  <a:cubicBezTo>
+                    <a:pt x="3474720" y="4667250"/>
+                    <a:pt x="3459481" y="4671060"/>
+                    <a:pt x="3444241" y="4669790"/>
+                  </a:cubicBezTo>
+                  <a:cubicBezTo>
+                    <a:pt x="3429000" y="4667250"/>
+                    <a:pt x="3418841" y="4662170"/>
+                    <a:pt x="3416300" y="4662170"/>
+                  </a:cubicBezTo>
+                  <a:close/>
+                </a:path>
+              </a:pathLst>
+            </a:custGeom>
+            <a:blipFill>
+              <a:blip r:embed="rId4"/>
+              <a:stretch>
+                <a:fillRect l="22" t="-6946" r="-692" b="-4917"/>
+              </a:stretch>
+            </a:blipFill>
+          </p:spPr>
+        </p:sp>
+      </p:grpSp>
+      <p:grpSp>
+        <p:nvGrpSpPr>
+          <p:cNvPr id="13" name="Group 2">
+            <a:extLst>
+              <a:ext uri="{FF2B5EF4-FFF2-40B4-BE49-F238E27FC236}">
+                <a16:creationId xmlns:a16="http://schemas.microsoft.com/office/drawing/2014/main" id="{D7CA4E7C-38EF-214C-AC0F-12A21284A767}"/>
+              </a:ext>
+            </a:extLst>
+          </p:cNvPr>
+          <p:cNvGrpSpPr>
+            <a:grpSpLocks noChangeAspect="1"/>
+          </p:cNvGrpSpPr>
+          <p:nvPr/>
+        </p:nvGrpSpPr>
+        <p:grpSpPr>
+          <a:xfrm>
+            <a:off x="4873871" y="2190166"/>
+            <a:ext cx="2149874" cy="2100113"/>
+            <a:chOff x="0" y="0"/>
+            <a:chExt cx="4828540" cy="4716780"/>
+          </a:xfrm>
+        </p:grpSpPr>
+        <p:sp>
+          <p:nvSpPr>
+            <p:cNvPr id="14" name="Freeform 3">
+              <a:extLst>
+                <a:ext uri="{FF2B5EF4-FFF2-40B4-BE49-F238E27FC236}">
+                  <a16:creationId xmlns:a16="http://schemas.microsoft.com/office/drawing/2014/main" id="{E5A829D9-9D10-6D41-90B4-367574B1B97B}"/>
+                </a:ext>
+              </a:extLst>
+            </p:cNvPr>
+            <p:cNvSpPr/>
+            <p:nvPr/>
+          </p:nvSpPr>
+          <p:spPr>
+            <a:xfrm>
+              <a:off x="0" y="-7620"/>
+              <a:ext cx="4833620" cy="4726940"/>
+            </a:xfrm>
+            <a:custGeom>
+              <a:avLst/>
+              <a:gdLst/>
+              <a:ahLst/>
+              <a:cxnLst/>
+              <a:rect l="l" t="t" r="r" b="b"/>
+              <a:pathLst>
+                <a:path w="4833620" h="4726940">
+                  <a:moveTo>
+                    <a:pt x="3416300" y="4662170"/>
+                  </a:moveTo>
+                  <a:cubicBezTo>
+                    <a:pt x="3388360" y="4669790"/>
+                    <a:pt x="3366770" y="4679950"/>
+                    <a:pt x="3345180" y="4682490"/>
+                  </a:cubicBezTo>
+                  <a:cubicBezTo>
+                    <a:pt x="3223260" y="4692650"/>
+                    <a:pt x="3102610" y="4702810"/>
+                    <a:pt x="2980690" y="4711700"/>
+                  </a:cubicBezTo>
+                  <a:cubicBezTo>
+                    <a:pt x="2918460" y="4715510"/>
+                    <a:pt x="2856230" y="4719320"/>
+                    <a:pt x="2794000" y="4720590"/>
+                  </a:cubicBezTo>
+                  <a:cubicBezTo>
+                    <a:pt x="2726690" y="4723130"/>
+                    <a:pt x="2659380" y="4726940"/>
+                    <a:pt x="2593340" y="4724400"/>
+                  </a:cubicBezTo>
+                  <a:cubicBezTo>
+                    <a:pt x="2529840" y="4723130"/>
+                    <a:pt x="2466340" y="4719320"/>
+                    <a:pt x="2405380" y="4707890"/>
+                  </a:cubicBezTo>
+                  <a:cubicBezTo>
+                    <a:pt x="2326640" y="4693920"/>
+                    <a:pt x="2246630" y="4693920"/>
+                    <a:pt x="2169160" y="4681220"/>
+                  </a:cubicBezTo>
+                  <a:cubicBezTo>
+                    <a:pt x="1967230" y="4648200"/>
+                    <a:pt x="1761490" y="4657090"/>
+                    <a:pt x="1558290" y="4643120"/>
+                  </a:cubicBezTo>
+                  <a:cubicBezTo>
+                    <a:pt x="1443990" y="4635500"/>
+                    <a:pt x="1329690" y="4617720"/>
+                    <a:pt x="1215390" y="4602480"/>
+                  </a:cubicBezTo>
+                  <a:cubicBezTo>
+                    <a:pt x="1085850" y="4585970"/>
+                    <a:pt x="956310" y="4566920"/>
+                    <a:pt x="825500" y="4549140"/>
+                  </a:cubicBezTo>
+                  <a:cubicBezTo>
+                    <a:pt x="730250" y="4536440"/>
+                    <a:pt x="633730" y="4523740"/>
+                    <a:pt x="538480" y="4511040"/>
+                  </a:cubicBezTo>
+                  <a:cubicBezTo>
+                    <a:pt x="535940" y="4511040"/>
+                    <a:pt x="533400" y="4509770"/>
+                    <a:pt x="530860" y="4509770"/>
+                  </a:cubicBezTo>
+                  <a:cubicBezTo>
+                    <a:pt x="450850" y="4475479"/>
+                    <a:pt x="365760" y="4448810"/>
+                    <a:pt x="292100" y="4404360"/>
+                  </a:cubicBezTo>
+                  <a:cubicBezTo>
+                    <a:pt x="167640" y="4328160"/>
+                    <a:pt x="114300" y="4206240"/>
+                    <a:pt x="109220" y="4062730"/>
+                  </a:cubicBezTo>
+                  <a:cubicBezTo>
+                    <a:pt x="107950" y="4013200"/>
+                    <a:pt x="101600" y="3964940"/>
+                    <a:pt x="101600" y="3915410"/>
+                  </a:cubicBezTo>
+                  <a:cubicBezTo>
+                    <a:pt x="102870" y="3846830"/>
+                    <a:pt x="107950" y="3779520"/>
+                    <a:pt x="111760" y="3712210"/>
+                  </a:cubicBezTo>
+                  <a:cubicBezTo>
+                    <a:pt x="121920" y="3511550"/>
+                    <a:pt x="127000" y="3310890"/>
+                    <a:pt x="111760" y="3110230"/>
+                  </a:cubicBezTo>
+                  <a:cubicBezTo>
+                    <a:pt x="97790" y="2929890"/>
+                    <a:pt x="85090" y="2750820"/>
+                    <a:pt x="71120" y="2570480"/>
+                  </a:cubicBezTo>
+                  <a:cubicBezTo>
+                    <a:pt x="62230" y="2454910"/>
+                    <a:pt x="50800" y="2340610"/>
+                    <a:pt x="43180" y="2225040"/>
+                  </a:cubicBezTo>
+                  <a:cubicBezTo>
+                    <a:pt x="38100" y="2148840"/>
+                    <a:pt x="39370" y="2071370"/>
+                    <a:pt x="34290" y="1995170"/>
+                  </a:cubicBezTo>
+                  <a:cubicBezTo>
+                    <a:pt x="31750" y="1951990"/>
+                    <a:pt x="17780" y="1910080"/>
+                    <a:pt x="16510" y="1866900"/>
+                  </a:cubicBezTo>
+                  <a:cubicBezTo>
+                    <a:pt x="11430" y="1762760"/>
+                    <a:pt x="10160" y="1657350"/>
+                    <a:pt x="7620" y="1551940"/>
+                  </a:cubicBezTo>
+                  <a:cubicBezTo>
+                    <a:pt x="6350" y="1511300"/>
+                    <a:pt x="0" y="1470660"/>
+                    <a:pt x="1270" y="1430020"/>
+                  </a:cubicBezTo>
+                  <a:cubicBezTo>
+                    <a:pt x="2540" y="1366520"/>
+                    <a:pt x="10160" y="1303020"/>
+                    <a:pt x="11430" y="1239520"/>
+                  </a:cubicBezTo>
+                  <a:cubicBezTo>
+                    <a:pt x="12700" y="1165860"/>
+                    <a:pt x="5080" y="1092200"/>
+                    <a:pt x="7620" y="1019810"/>
+                  </a:cubicBezTo>
+                  <a:cubicBezTo>
+                    <a:pt x="7620" y="949960"/>
+                    <a:pt x="16510" y="881380"/>
+                    <a:pt x="25400" y="811530"/>
+                  </a:cubicBezTo>
+                  <a:cubicBezTo>
+                    <a:pt x="27940" y="787400"/>
+                    <a:pt x="45720" y="765810"/>
+                    <a:pt x="50800" y="741680"/>
+                  </a:cubicBezTo>
+                  <a:cubicBezTo>
+                    <a:pt x="72390" y="622300"/>
+                    <a:pt x="95250" y="502920"/>
+                    <a:pt x="151130" y="392430"/>
+                  </a:cubicBezTo>
+                  <a:cubicBezTo>
+                    <a:pt x="163830" y="368300"/>
+                    <a:pt x="184150" y="346710"/>
+                    <a:pt x="203200" y="327660"/>
+                  </a:cubicBezTo>
+                  <a:cubicBezTo>
+                    <a:pt x="209550" y="321310"/>
+                    <a:pt x="224790" y="325120"/>
+                    <a:pt x="228600" y="325120"/>
+                  </a:cubicBezTo>
+                  <a:cubicBezTo>
+                    <a:pt x="237490" y="308610"/>
+                    <a:pt x="242570" y="292100"/>
+                    <a:pt x="252730" y="284480"/>
+                  </a:cubicBezTo>
+                  <a:cubicBezTo>
+                    <a:pt x="307340" y="242570"/>
+                    <a:pt x="364490" y="212090"/>
+                    <a:pt x="435610" y="204470"/>
+                  </a:cubicBezTo>
+                  <a:cubicBezTo>
+                    <a:pt x="488950" y="198120"/>
+                    <a:pt x="541020" y="175260"/>
+                    <a:pt x="594360" y="162560"/>
+                  </a:cubicBezTo>
+                  <a:cubicBezTo>
+                    <a:pt x="659130" y="147320"/>
+                    <a:pt x="723900" y="129540"/>
+                    <a:pt x="791210" y="120650"/>
+                  </a:cubicBezTo>
+                  <a:cubicBezTo>
+                    <a:pt x="852170" y="113030"/>
+                    <a:pt x="910590" y="96520"/>
+                    <a:pt x="972820" y="91440"/>
+                  </a:cubicBezTo>
+                  <a:cubicBezTo>
+                    <a:pt x="1036320" y="86360"/>
+                    <a:pt x="1099820" y="71120"/>
+                    <a:pt x="1164590" y="66040"/>
+                  </a:cubicBezTo>
+                  <a:cubicBezTo>
+                    <a:pt x="1339850" y="53340"/>
+                    <a:pt x="1516380" y="44450"/>
+                    <a:pt x="1691640" y="34290"/>
+                  </a:cubicBezTo>
+                  <a:cubicBezTo>
+                    <a:pt x="1734820" y="31750"/>
+                    <a:pt x="1778000" y="34290"/>
+                    <a:pt x="1821180" y="35560"/>
+                  </a:cubicBezTo>
+                  <a:cubicBezTo>
+                    <a:pt x="1842770" y="36830"/>
+                    <a:pt x="1864360" y="41910"/>
+                    <a:pt x="1887220" y="44450"/>
+                  </a:cubicBezTo>
+                  <a:cubicBezTo>
+                    <a:pt x="1897380" y="45720"/>
+                    <a:pt x="1907540" y="41910"/>
+                    <a:pt x="1917700" y="41910"/>
+                  </a:cubicBezTo>
+                  <a:cubicBezTo>
+                    <a:pt x="1948180" y="41910"/>
+                    <a:pt x="1979930" y="41910"/>
+                    <a:pt x="2010410" y="40640"/>
+                  </a:cubicBezTo>
+                  <a:cubicBezTo>
+                    <a:pt x="2068830" y="38100"/>
+                    <a:pt x="2128520" y="31750"/>
+                    <a:pt x="2186940" y="31750"/>
+                  </a:cubicBezTo>
+                  <a:cubicBezTo>
+                    <a:pt x="2244090" y="31750"/>
+                    <a:pt x="2301240" y="35560"/>
+                    <a:pt x="2358390" y="38100"/>
+                  </a:cubicBezTo>
+                  <a:lnTo>
+                    <a:pt x="2404110" y="38100"/>
+                  </a:lnTo>
+                  <a:cubicBezTo>
+                    <a:pt x="2473960" y="35560"/>
+                    <a:pt x="2542540" y="35560"/>
+                    <a:pt x="2612390" y="31750"/>
+                  </a:cubicBezTo>
+                  <a:cubicBezTo>
+                    <a:pt x="2679700" y="27940"/>
+                    <a:pt x="2745740" y="19050"/>
+                    <a:pt x="2813050" y="15240"/>
+                  </a:cubicBezTo>
+                  <a:cubicBezTo>
+                    <a:pt x="2844800" y="12700"/>
+                    <a:pt x="2877820" y="12700"/>
+                    <a:pt x="2909570" y="19050"/>
+                  </a:cubicBezTo>
+                  <a:cubicBezTo>
+                    <a:pt x="2957830" y="27940"/>
+                    <a:pt x="3003550" y="33020"/>
+                    <a:pt x="3051810" y="19050"/>
+                  </a:cubicBezTo>
+                  <a:cubicBezTo>
+                    <a:pt x="3069590" y="13970"/>
+                    <a:pt x="3092450" y="22860"/>
+                    <a:pt x="3112770" y="25400"/>
+                  </a:cubicBezTo>
+                  <a:cubicBezTo>
+                    <a:pt x="3121660" y="26670"/>
+                    <a:pt x="3131820" y="29210"/>
+                    <a:pt x="3136900" y="25400"/>
+                  </a:cubicBezTo>
+                  <a:cubicBezTo>
+                    <a:pt x="3171190" y="0"/>
+                    <a:pt x="3202940" y="6350"/>
+                    <a:pt x="3235960" y="27940"/>
+                  </a:cubicBezTo>
+                  <a:cubicBezTo>
+                    <a:pt x="3239770" y="30480"/>
+                    <a:pt x="3249930" y="24130"/>
+                    <a:pt x="3257550" y="24130"/>
+                  </a:cubicBezTo>
+                  <a:cubicBezTo>
+                    <a:pt x="3288030" y="24130"/>
+                    <a:pt x="3318510" y="24130"/>
+                    <a:pt x="3350260" y="25400"/>
+                  </a:cubicBezTo>
+                  <a:cubicBezTo>
+                    <a:pt x="3373120" y="26670"/>
+                    <a:pt x="3394710" y="34290"/>
+                    <a:pt x="3417570" y="36830"/>
+                  </a:cubicBezTo>
+                  <a:cubicBezTo>
+                    <a:pt x="3467100" y="43180"/>
+                    <a:pt x="3517900" y="53340"/>
+                    <a:pt x="3568700" y="53340"/>
+                  </a:cubicBezTo>
+                  <a:cubicBezTo>
+                    <a:pt x="3663950" y="54610"/>
+                    <a:pt x="3759200" y="58420"/>
+                    <a:pt x="3853180" y="78740"/>
+                  </a:cubicBezTo>
+                  <a:cubicBezTo>
+                    <a:pt x="3940809" y="97790"/>
+                    <a:pt x="4030980" y="97790"/>
+                    <a:pt x="4119880" y="113030"/>
+                  </a:cubicBezTo>
+                  <a:cubicBezTo>
+                    <a:pt x="4173220" y="121920"/>
+                    <a:pt x="4227830" y="138430"/>
+                    <a:pt x="4273550" y="165100"/>
+                  </a:cubicBezTo>
+                  <a:cubicBezTo>
+                    <a:pt x="4323080" y="193040"/>
+                    <a:pt x="4361180" y="238760"/>
+                    <a:pt x="4405630" y="276860"/>
+                  </a:cubicBezTo>
+                  <a:cubicBezTo>
+                    <a:pt x="4422139" y="290830"/>
+                    <a:pt x="4446270" y="300990"/>
+                    <a:pt x="4457700" y="318770"/>
+                  </a:cubicBezTo>
+                  <a:cubicBezTo>
+                    <a:pt x="4490720" y="367030"/>
+                    <a:pt x="4519930" y="417830"/>
+                    <a:pt x="4549140" y="468630"/>
+                  </a:cubicBezTo>
+                  <a:cubicBezTo>
+                    <a:pt x="4570730" y="505460"/>
+                    <a:pt x="4592320" y="543560"/>
+                    <a:pt x="4608830" y="581660"/>
+                  </a:cubicBezTo>
+                  <a:cubicBezTo>
+                    <a:pt x="4626610" y="626110"/>
+                    <a:pt x="4640580" y="671830"/>
+                    <a:pt x="4654550" y="718820"/>
+                  </a:cubicBezTo>
+                  <a:cubicBezTo>
+                    <a:pt x="4676140" y="792480"/>
+                    <a:pt x="4701540" y="866140"/>
+                    <a:pt x="4715510" y="942340"/>
+                  </a:cubicBezTo>
+                  <a:cubicBezTo>
+                    <a:pt x="4735830" y="1049020"/>
+                    <a:pt x="4745990" y="1158240"/>
+                    <a:pt x="4761230" y="1266190"/>
+                  </a:cubicBezTo>
+                  <a:cubicBezTo>
+                    <a:pt x="4766310" y="1301750"/>
+                    <a:pt x="4772660" y="1337310"/>
+                    <a:pt x="4775200" y="1372870"/>
+                  </a:cubicBezTo>
+                  <a:cubicBezTo>
+                    <a:pt x="4782820" y="1474470"/>
+                    <a:pt x="4787900" y="1574800"/>
+                    <a:pt x="4794250" y="1676400"/>
+                  </a:cubicBezTo>
+                  <a:cubicBezTo>
+                    <a:pt x="4803140" y="1802130"/>
+                    <a:pt x="4815840" y="1926590"/>
+                    <a:pt x="4822190" y="2052320"/>
+                  </a:cubicBezTo>
+                  <a:cubicBezTo>
+                    <a:pt x="4828540" y="2172970"/>
+                    <a:pt x="4833620" y="2294890"/>
+                    <a:pt x="4831080" y="2416810"/>
+                  </a:cubicBezTo>
+                  <a:cubicBezTo>
+                    <a:pt x="4827270" y="2620010"/>
+                    <a:pt x="4817110" y="2821940"/>
+                    <a:pt x="4806950" y="3025140"/>
+                  </a:cubicBezTo>
+                  <a:cubicBezTo>
+                    <a:pt x="4800600" y="3150870"/>
+                    <a:pt x="4791710" y="3275330"/>
+                    <a:pt x="4779010" y="3399790"/>
+                  </a:cubicBezTo>
+                  <a:cubicBezTo>
+                    <a:pt x="4766310" y="3524250"/>
+                    <a:pt x="4747260" y="3647440"/>
+                    <a:pt x="4733290" y="3771900"/>
+                  </a:cubicBezTo>
+                  <a:cubicBezTo>
+                    <a:pt x="4723130" y="3858260"/>
+                    <a:pt x="4720590" y="3944620"/>
+                    <a:pt x="4709160" y="4029710"/>
+                  </a:cubicBezTo>
+                  <a:cubicBezTo>
+                    <a:pt x="4699000" y="4107180"/>
+                    <a:pt x="4660900" y="4175760"/>
+                    <a:pt x="4610100" y="4232910"/>
+                  </a:cubicBezTo>
+                  <a:cubicBezTo>
+                    <a:pt x="4568191" y="4281170"/>
+                    <a:pt x="4535170" y="4335780"/>
+                    <a:pt x="4491991" y="4382770"/>
+                  </a:cubicBezTo>
+                  <a:cubicBezTo>
+                    <a:pt x="4453891" y="4424679"/>
+                    <a:pt x="4411981" y="4466590"/>
+                    <a:pt x="4345941" y="4467860"/>
+                  </a:cubicBezTo>
+                  <a:cubicBezTo>
+                    <a:pt x="4330700" y="4467860"/>
+                    <a:pt x="4316731" y="4483100"/>
+                    <a:pt x="4301491" y="4490720"/>
+                  </a:cubicBezTo>
+                  <a:cubicBezTo>
+                    <a:pt x="4236720" y="4518660"/>
+                    <a:pt x="4169411" y="4542790"/>
+                    <a:pt x="4105911" y="4573270"/>
+                  </a:cubicBezTo>
+                  <a:cubicBezTo>
+                    <a:pt x="3989070" y="4629150"/>
+                    <a:pt x="3863341" y="4638040"/>
+                    <a:pt x="3737611" y="4643120"/>
+                  </a:cubicBezTo>
+                  <a:cubicBezTo>
+                    <a:pt x="3689351" y="4645660"/>
+                    <a:pt x="3639820" y="4641850"/>
+                    <a:pt x="3591561" y="4645660"/>
+                  </a:cubicBezTo>
+                  <a:cubicBezTo>
+                    <a:pt x="3567431" y="4646930"/>
+                    <a:pt x="3544570" y="4658360"/>
+                    <a:pt x="3521711" y="4663440"/>
+                  </a:cubicBezTo>
+                  <a:cubicBezTo>
+                    <a:pt x="3511551" y="4665980"/>
+                    <a:pt x="3501391" y="4664710"/>
+                    <a:pt x="3489961" y="4665980"/>
+                  </a:cubicBezTo>
+                  <a:cubicBezTo>
+                    <a:pt x="3474720" y="4667250"/>
+                    <a:pt x="3459481" y="4671060"/>
+                    <a:pt x="3444241" y="4669790"/>
+                  </a:cubicBezTo>
+                  <a:cubicBezTo>
+                    <a:pt x="3429000" y="4667250"/>
+                    <a:pt x="3418841" y="4662170"/>
+                    <a:pt x="3416300" y="4662170"/>
+                  </a:cubicBezTo>
+                  <a:close/>
+                </a:path>
+              </a:pathLst>
+            </a:custGeom>
+            <a:blipFill>
+              <a:blip r:embed="rId5"/>
+              <a:stretch>
+                <a:fillRect l="22" t="26" r="-66" b="-2441"/>
+              </a:stretch>
+            </a:blipFill>
+          </p:spPr>
+        </p:sp>
+      </p:grpSp>
+      <p:pic>
+        <p:nvPicPr>
+          <p:cNvPr id="16" name="Picture 15">
+            <a:extLst>
+              <a:ext uri="{FF2B5EF4-FFF2-40B4-BE49-F238E27FC236}">
+                <a16:creationId xmlns:a16="http://schemas.microsoft.com/office/drawing/2014/main" id="{2EAEABB9-5E42-BD42-9A3C-2C442DB7E04A}"/>
+              </a:ext>
+            </a:extLst>
+          </p:cNvPr>
+          <p:cNvPicPr>
+            <a:picLocks noChangeAspect="1"/>
+          </p:cNvPicPr>
+          <p:nvPr/>
+        </p:nvPicPr>
+        <p:blipFill>
+          <a:blip r:embed="rId6"/>
+          <a:stretch>
+            <a:fillRect/>
+          </a:stretch>
+        </p:blipFill>
+        <p:spPr>
+          <a:xfrm>
+            <a:off x="2743861" y="2055416"/>
+            <a:ext cx="1703902" cy="436775"/>
+          </a:xfrm>
+          <a:prstGeom prst="rect">
+            <a:avLst/>
+          </a:prstGeom>
+        </p:spPr>
+      </p:pic>
+      <p:pic>
+        <p:nvPicPr>
+          <p:cNvPr id="17" name="Picture 16">
+            <a:extLst>
+              <a:ext uri="{FF2B5EF4-FFF2-40B4-BE49-F238E27FC236}">
+                <a16:creationId xmlns:a16="http://schemas.microsoft.com/office/drawing/2014/main" id="{623515C4-B297-1348-A904-2FCF24A6F528}"/>
+              </a:ext>
+            </a:extLst>
+          </p:cNvPr>
+          <p:cNvPicPr>
+            <a:picLocks noChangeAspect="1"/>
+          </p:cNvPicPr>
+          <p:nvPr/>
+        </p:nvPicPr>
+        <p:blipFill>
+          <a:blip r:embed="rId7"/>
+          <a:stretch>
+            <a:fillRect/>
+          </a:stretch>
+        </p:blipFill>
+        <p:spPr>
+          <a:xfrm>
+            <a:off x="4333354" y="3991025"/>
+            <a:ext cx="1703901" cy="436775"/>
+          </a:xfrm>
+          <a:prstGeom prst="rect">
+            <a:avLst/>
+          </a:prstGeom>
+        </p:spPr>
+      </p:pic>
+      <p:pic>
+        <p:nvPicPr>
+          <p:cNvPr id="18" name="Picture 17">
+            <a:extLst>
+              <a:ext uri="{FF2B5EF4-FFF2-40B4-BE49-F238E27FC236}">
+                <a16:creationId xmlns:a16="http://schemas.microsoft.com/office/drawing/2014/main" id="{DE07835A-2C21-E944-B3E3-F0E19A43E4F0}"/>
+              </a:ext>
+            </a:extLst>
+          </p:cNvPr>
+          <p:cNvPicPr>
+            <a:picLocks noChangeAspect="1"/>
+          </p:cNvPicPr>
+          <p:nvPr/>
+        </p:nvPicPr>
+        <p:blipFill>
+          <a:blip r:embed="rId8"/>
+          <a:stretch>
+            <a:fillRect/>
+          </a:stretch>
+        </p:blipFill>
+        <p:spPr>
+          <a:xfrm>
+            <a:off x="1241684" y="3991024"/>
+            <a:ext cx="1703902" cy="436775"/>
+          </a:xfrm>
+          <a:prstGeom prst="rect">
+            <a:avLst/>
+          </a:prstGeom>
+        </p:spPr>
+      </p:pic>
+      <p:pic>
+        <p:nvPicPr>
+          <p:cNvPr id="19" name="Picture 18">
+            <a:extLst>
+              <a:ext uri="{FF2B5EF4-FFF2-40B4-BE49-F238E27FC236}">
+                <a16:creationId xmlns:a16="http://schemas.microsoft.com/office/drawing/2014/main" id="{22749085-199E-2949-B6D9-D90196A64D79}"/>
+              </a:ext>
+            </a:extLst>
+          </p:cNvPr>
+          <p:cNvPicPr>
+            <a:picLocks noChangeAspect="1"/>
+          </p:cNvPicPr>
+          <p:nvPr/>
+        </p:nvPicPr>
+        <p:blipFill>
+          <a:blip r:embed="rId9"/>
+          <a:stretch>
+            <a:fillRect/>
+          </a:stretch>
+        </p:blipFill>
+        <p:spPr>
+          <a:xfrm>
+            <a:off x="5949939" y="2050383"/>
+            <a:ext cx="1703901" cy="436775"/>
+          </a:xfrm>
+          <a:prstGeom prst="rect">
+            <a:avLst/>
+          </a:prstGeom>
+        </p:spPr>
+      </p:pic>
     </p:spTree>
   </p:cSld>
   <p:clrMapOvr>

--- a/NFT Vision Hack Deck.pptx
+++ b/NFT Vision Hack Deck.pptx
@@ -1006,7 +1006,7 @@
               </a:spcAft>
               <a:buNone/>
             </a:pPr>
-            <a:endParaRPr/>
+            <a:endParaRPr dirty="0"/>
           </a:p>
         </p:txBody>
       </p:sp>
@@ -1318,7 +1318,7 @@
               </a:spcAft>
               <a:buNone/>
             </a:pPr>
-            <a:endParaRPr/>
+            <a:endParaRPr dirty="0"/>
           </a:p>
         </p:txBody>
       </p:sp>
@@ -7520,6 +7520,36 @@
           </a:p>
         </p:txBody>
       </p:sp>
+      <p:pic>
+        <p:nvPicPr>
+          <p:cNvPr id="11" name="Picture 10">
+            <a:extLst>
+              <a:ext uri="{FF2B5EF4-FFF2-40B4-BE49-F238E27FC236}">
+                <a16:creationId xmlns:a16="http://schemas.microsoft.com/office/drawing/2014/main" id="{86919B63-C196-444E-9BAB-D77AE711C484}"/>
+              </a:ext>
+            </a:extLst>
+          </p:cNvPr>
+          <p:cNvPicPr>
+            <a:picLocks noChangeAspect="1"/>
+          </p:cNvPicPr>
+          <p:nvPr/>
+        </p:nvPicPr>
+        <p:blipFill>
+          <a:blip r:embed="rId4"/>
+          <a:stretch>
+            <a:fillRect/>
+          </a:stretch>
+        </p:blipFill>
+        <p:spPr>
+          <a:xfrm flipH="1">
+            <a:off x="0" y="1959428"/>
+            <a:ext cx="3663633" cy="3184071"/>
+          </a:xfrm>
+          <a:prstGeom prst="rect">
+            <a:avLst/>
+          </a:prstGeom>
+        </p:spPr>
+      </p:pic>
     </p:spTree>
   </p:cSld>
   <p:clrMapOvr>
@@ -7608,7 +7638,7 @@
               <a:buNone/>
             </a:pPr>
             <a:r>
-              <a:rPr lang="en" b="1">
+              <a:rPr lang="en" b="1" dirty="0">
                 <a:solidFill>
                   <a:srgbClr val="4DBFFF"/>
                 </a:solidFill>
@@ -7617,9 +7647,9 @@
                 <a:cs typeface="Source Sans Pro"/>
                 <a:sym typeface="Source Sans Pro"/>
               </a:rPr>
-              <a:t>Project</a:t>
+              <a:t>Project - AvataaarX</a:t>
             </a:r>
-            <a:endParaRPr b="1">
+            <a:endParaRPr b="1" dirty="0">
               <a:solidFill>
                 <a:srgbClr val="4DBFFF"/>
               </a:solidFill>
@@ -7656,7 +7686,7 @@
           </a:bodyPr>
           <a:lstStyle/>
           <a:p>
-            <a:pPr marL="0" lvl="0" indent="0" algn="l" rtl="0">
+            <a:pPr marL="0" lvl="0" indent="0" algn="just" rtl="0">
               <a:spcBef>
                 <a:spcPts val="0"/>
               </a:spcBef>
@@ -7666,7 +7696,7 @@
               <a:buNone/>
             </a:pPr>
             <a:r>
-              <a:rPr lang="en">
+              <a:rPr lang="en" sz="1200" dirty="0">
                 <a:solidFill>
                   <a:schemeClr val="lt1"/>
                 </a:solidFill>
@@ -7675,9 +7705,78 @@
                 <a:cs typeface="Source Sans Pro"/>
                 <a:sym typeface="Source Sans Pro"/>
               </a:rPr>
-              <a:t>[Please tell us what you have built and how it meets the requirements of the track(s) you chose. Also tell us how you have incorporated the relevant technologies / APIs.]</a:t>
+              <a:t>AvataaarX is an ASCII-based collection of virtual av</a:t>
             </a:r>
-            <a:endParaRPr>
+            <a:r>
+              <a:rPr lang="en-IN" sz="1200" dirty="0">
+                <a:solidFill>
+                  <a:schemeClr val="lt1"/>
+                </a:solidFill>
+                <a:latin typeface="Source Sans Pro"/>
+                <a:ea typeface="Source Sans Pro"/>
+                <a:cs typeface="Source Sans Pro"/>
+                <a:sym typeface="Source Sans Pro"/>
+              </a:rPr>
+              <a:t>atars generated using the open-source library of the same name by Pablo Stanley.</a:t>
+            </a:r>
+          </a:p>
+          <a:p>
+            <a:pPr marL="0" lvl="0" indent="0" algn="just" rtl="0">
+              <a:spcBef>
+                <a:spcPts val="0"/>
+              </a:spcBef>
+              <a:spcAft>
+                <a:spcPts val="1200"/>
+              </a:spcAft>
+              <a:buNone/>
+            </a:pPr>
+            <a:r>
+              <a:rPr lang="en-IN" sz="1200" dirty="0">
+                <a:solidFill>
+                  <a:schemeClr val="lt1"/>
+                </a:solidFill>
+                <a:latin typeface="Source Sans Pro"/>
+                <a:ea typeface="Source Sans Pro"/>
+                <a:cs typeface="Source Sans Pro"/>
+                <a:sym typeface="Source Sans Pro"/>
+              </a:rPr>
+              <a:t>ASCII-based art is a popular trend amongst the nerdy folk. Our collection generates unique avatars and transforms them into ASCII-based grayscale art. Each avatar is unique with several distinguishing traits like clothing, eyes, skin tone, hair colour, head accessories, eye and eyebrow types, different type of facial expressions, clothes etc. The ASCII interpretation of this famed library is to add a spice of geekiness to the mix. </a:t>
+            </a:r>
+          </a:p>
+          <a:p>
+            <a:pPr marL="0" lvl="0" indent="0" algn="just" rtl="0">
+              <a:spcBef>
+                <a:spcPts val="0"/>
+              </a:spcBef>
+              <a:spcAft>
+                <a:spcPts val="1200"/>
+              </a:spcAft>
+              <a:buNone/>
+            </a:pPr>
+            <a:r>
+              <a:rPr lang="en-IN" sz="1200" dirty="0">
+                <a:solidFill>
+                  <a:schemeClr val="lt1"/>
+                </a:solidFill>
+                <a:latin typeface="Source Sans Pro"/>
+                <a:ea typeface="Source Sans Pro"/>
+                <a:cs typeface="Source Sans Pro"/>
+                <a:sym typeface="Source Sans Pro"/>
+              </a:rPr>
+              <a:t>Each AvataaarX is not only a unique avatar with different visual traits, the ASCII characters used to draw the avatar are also randomly chosen from a list of possible characters. From diverse avatars using several different characters like - ! @ # $ % etc. to avatars using just a single character, AvataaarX has got one for everyone.</a:t>
+            </a:r>
+          </a:p>
+          <a:p>
+            <a:pPr marL="0" lvl="0" indent="0" algn="just" rtl="0">
+              <a:spcBef>
+                <a:spcPts val="0"/>
+              </a:spcBef>
+              <a:spcAft>
+                <a:spcPts val="1200"/>
+              </a:spcAft>
+              <a:buNone/>
+            </a:pPr>
+            <a:endParaRPr sz="1200" dirty="0">
               <a:solidFill>
                 <a:schemeClr val="lt1"/>
               </a:solidFill>
@@ -7689,6 +7788,126 @@
           </a:p>
         </p:txBody>
       </p:sp>
+      <p:pic>
+        <p:nvPicPr>
+          <p:cNvPr id="3" name="Picture 2">
+            <a:extLst>
+              <a:ext uri="{FF2B5EF4-FFF2-40B4-BE49-F238E27FC236}">
+                <a16:creationId xmlns:a16="http://schemas.microsoft.com/office/drawing/2014/main" id="{BCEAD594-49C1-4042-A86F-94AACA32544F}"/>
+              </a:ext>
+            </a:extLst>
+          </p:cNvPr>
+          <p:cNvPicPr>
+            <a:picLocks noChangeAspect="1"/>
+          </p:cNvPicPr>
+          <p:nvPr/>
+        </p:nvPicPr>
+        <p:blipFill>
+          <a:blip r:embed="rId4"/>
+          <a:stretch>
+            <a:fillRect/>
+          </a:stretch>
+        </p:blipFill>
+        <p:spPr>
+          <a:xfrm>
+            <a:off x="407288" y="3555416"/>
+            <a:ext cx="1212320" cy="1300772"/>
+          </a:xfrm>
+          <a:prstGeom prst="rect">
+            <a:avLst/>
+          </a:prstGeom>
+        </p:spPr>
+      </p:pic>
+      <p:pic>
+        <p:nvPicPr>
+          <p:cNvPr id="5" name="Picture 4">
+            <a:extLst>
+              <a:ext uri="{FF2B5EF4-FFF2-40B4-BE49-F238E27FC236}">
+                <a16:creationId xmlns:a16="http://schemas.microsoft.com/office/drawing/2014/main" id="{D2FF0D7D-FA2A-4E40-B6C2-9EE8EE8BC1DF}"/>
+              </a:ext>
+            </a:extLst>
+          </p:cNvPr>
+          <p:cNvPicPr>
+            <a:picLocks noChangeAspect="1"/>
+          </p:cNvPicPr>
+          <p:nvPr/>
+        </p:nvPicPr>
+        <p:blipFill>
+          <a:blip r:embed="rId5"/>
+          <a:stretch>
+            <a:fillRect/>
+          </a:stretch>
+        </p:blipFill>
+        <p:spPr>
+          <a:xfrm>
+            <a:off x="3125004" y="3555416"/>
+            <a:ext cx="1212320" cy="1300772"/>
+          </a:xfrm>
+          <a:prstGeom prst="rect">
+            <a:avLst/>
+          </a:prstGeom>
+        </p:spPr>
+      </p:pic>
+      <p:pic>
+        <p:nvPicPr>
+          <p:cNvPr id="7" name="Picture 6">
+            <a:extLst>
+              <a:ext uri="{FF2B5EF4-FFF2-40B4-BE49-F238E27FC236}">
+                <a16:creationId xmlns:a16="http://schemas.microsoft.com/office/drawing/2014/main" id="{A32AB8FC-BF36-9749-A812-D0E5D49BB0A3}"/>
+              </a:ext>
+            </a:extLst>
+          </p:cNvPr>
+          <p:cNvPicPr>
+            <a:picLocks noChangeAspect="1"/>
+          </p:cNvPicPr>
+          <p:nvPr/>
+        </p:nvPicPr>
+        <p:blipFill>
+          <a:blip r:embed="rId6"/>
+          <a:stretch>
+            <a:fillRect/>
+          </a:stretch>
+        </p:blipFill>
+        <p:spPr>
+          <a:xfrm>
+            <a:off x="1766146" y="3555416"/>
+            <a:ext cx="1212320" cy="1300772"/>
+          </a:xfrm>
+          <a:prstGeom prst="rect">
+            <a:avLst/>
+          </a:prstGeom>
+        </p:spPr>
+      </p:pic>
+      <p:pic>
+        <p:nvPicPr>
+          <p:cNvPr id="9" name="Picture 8">
+            <a:extLst>
+              <a:ext uri="{FF2B5EF4-FFF2-40B4-BE49-F238E27FC236}">
+                <a16:creationId xmlns:a16="http://schemas.microsoft.com/office/drawing/2014/main" id="{396A0885-A510-EB49-B44F-A098DF614182}"/>
+              </a:ext>
+            </a:extLst>
+          </p:cNvPr>
+          <p:cNvPicPr>
+            <a:picLocks noChangeAspect="1"/>
+          </p:cNvPicPr>
+          <p:nvPr/>
+        </p:nvPicPr>
+        <p:blipFill>
+          <a:blip r:embed="rId7"/>
+          <a:stretch>
+            <a:fillRect/>
+          </a:stretch>
+        </p:blipFill>
+        <p:spPr>
+          <a:xfrm>
+            <a:off x="4483862" y="3555416"/>
+            <a:ext cx="1212320" cy="1300772"/>
+          </a:xfrm>
+          <a:prstGeom prst="rect">
+            <a:avLst/>
+          </a:prstGeom>
+        </p:spPr>
+      </p:pic>
     </p:spTree>
   </p:cSld>
   <p:clrMapOvr>
@@ -7825,7 +8044,7 @@
           </a:bodyPr>
           <a:lstStyle/>
           <a:p>
-            <a:pPr marL="0" lvl="0" indent="0" algn="l" rtl="0">
+            <a:pPr marL="0" lvl="0" indent="0" algn="just" rtl="0">
               <a:spcBef>
                 <a:spcPts val="0"/>
               </a:spcBef>
@@ -7835,7 +8054,7 @@
               <a:buNone/>
             </a:pPr>
             <a:r>
-              <a:rPr lang="en">
+              <a:rPr lang="en-US" sz="1200" dirty="0">
                 <a:solidFill>
                   <a:schemeClr val="lt1"/>
                 </a:solidFill>
@@ -7844,9 +8063,32 @@
                 <a:cs typeface="Source Sans Pro"/>
                 <a:sym typeface="Source Sans Pro"/>
               </a:rPr>
-              <a:t>[This is more about the technical aspect of your project. Please tell us more about the technologies you have used to develop your project.]</a:t>
+              <a:t>Using a Python script, random avatars are generated. With the help of image processing libraries, the image data is converted to ASCII characters. The number of characters used are chosen randomly – higher number leads to more detailed images. This generated ASCII text is then converted and exported as an image that denotes the AvataaarX NFTs.</a:t>
             </a:r>
-            <a:endParaRPr>
+          </a:p>
+          <a:p>
+            <a:pPr marL="0" lvl="0" indent="0" algn="just" rtl="0">
+              <a:spcBef>
+                <a:spcPts val="0"/>
+              </a:spcBef>
+              <a:spcAft>
+                <a:spcPts val="1200"/>
+              </a:spcAft>
+              <a:buNone/>
+            </a:pPr>
+            <a:r>
+              <a:rPr lang="en-US" sz="1200" dirty="0">
+                <a:solidFill>
+                  <a:schemeClr val="lt1"/>
+                </a:solidFill>
+                <a:latin typeface="Source Sans Pro"/>
+                <a:ea typeface="Source Sans Pro"/>
+                <a:cs typeface="Source Sans Pro"/>
+                <a:sym typeface="Source Sans Pro"/>
+              </a:rPr>
+              <a:t>All libraries used are free for personal and commercial use.</a:t>
+            </a:r>
+            <a:endParaRPr sz="1200" dirty="0">
               <a:solidFill>
                 <a:schemeClr val="lt1"/>
               </a:solidFill>
@@ -7858,6 +8100,36 @@
           </a:p>
         </p:txBody>
       </p:sp>
+      <p:pic>
+        <p:nvPicPr>
+          <p:cNvPr id="2" name="Picture 1">
+            <a:extLst>
+              <a:ext uri="{FF2B5EF4-FFF2-40B4-BE49-F238E27FC236}">
+                <a16:creationId xmlns:a16="http://schemas.microsoft.com/office/drawing/2014/main" id="{FD850709-B13C-4547-B4A5-3582FA52B94F}"/>
+              </a:ext>
+            </a:extLst>
+          </p:cNvPr>
+          <p:cNvPicPr>
+            <a:picLocks noChangeAspect="1"/>
+          </p:cNvPicPr>
+          <p:nvPr/>
+        </p:nvPicPr>
+        <p:blipFill>
+          <a:blip r:embed="rId4"/>
+          <a:stretch>
+            <a:fillRect/>
+          </a:stretch>
+        </p:blipFill>
+        <p:spPr>
+          <a:xfrm>
+            <a:off x="372909" y="2267629"/>
+            <a:ext cx="8459391" cy="2362206"/>
+          </a:xfrm>
+          <a:prstGeom prst="rect">
+            <a:avLst/>
+          </a:prstGeom>
+        </p:spPr>
+      </p:pic>
     </p:spTree>
   </p:cSld>
   <p:clrMapOvr>
@@ -7994,7 +8266,7 @@
           </a:bodyPr>
           <a:lstStyle/>
           <a:p>
-            <a:pPr marL="0" lvl="0" indent="0" algn="l" rtl="0">
+            <a:pPr marL="0" lvl="0" indent="0" algn="just" rtl="0">
               <a:spcBef>
                 <a:spcPts val="0"/>
               </a:spcBef>
@@ -8004,7 +8276,7 @@
               <a:buNone/>
             </a:pPr>
             <a:r>
-              <a:rPr lang="en">
+              <a:rPr lang="en-US" sz="1200" dirty="0">
                 <a:solidFill>
                   <a:schemeClr val="lt1"/>
                 </a:solidFill>
@@ -8013,20 +8285,206 @@
                 <a:cs typeface="Source Sans Pro"/>
                 <a:sym typeface="Source Sans Pro"/>
               </a:rPr>
-              <a:t>[How can your solution reach vast user adoption. What is your secret sauce?]</a:t>
+              <a:t>Using only the varied avatar traits of the library can generate up to 8 billion unique avatars. On top of that, the permutation of ASCII character used takes the total possible creations to a degree of several tens more. Our technical implementation makes adjusting the permitted traits as easy as simply adding or removing the name from a list. As per production and required supply, the number of avatars can be capped or the number of traits considered can be decreased.</a:t>
             </a:r>
-            <a:endParaRPr>
-              <a:solidFill>
-                <a:schemeClr val="lt1"/>
-              </a:solidFill>
-              <a:latin typeface="Source Sans Pro"/>
-              <a:ea typeface="Source Sans Pro"/>
-              <a:cs typeface="Source Sans Pro"/>
-              <a:sym typeface="Source Sans Pro"/>
-            </a:endParaRPr>
+          </a:p>
+          <a:p>
+            <a:pPr marL="0" lvl="0" indent="0" algn="just" rtl="0">
+              <a:spcBef>
+                <a:spcPts val="0"/>
+              </a:spcBef>
+              <a:spcAft>
+                <a:spcPts val="1200"/>
+              </a:spcAft>
+              <a:buNone/>
+            </a:pPr>
+            <a:r>
+              <a:rPr lang="en-US" sz="1200" dirty="0">
+                <a:solidFill>
+                  <a:schemeClr val="lt1"/>
+                </a:solidFill>
+                <a:latin typeface="Source Sans Pro"/>
+                <a:ea typeface="Source Sans Pro"/>
+                <a:cs typeface="Source Sans Pro"/>
+                <a:sym typeface="Source Sans Pro"/>
+              </a:rPr>
+              <a:t>Due to the open-source nature of the underlying library, AvataaarsX can be easily modified simply by changing the underlying .SVG files to launch for collections in the future.</a:t>
+            </a:r>
+          </a:p>
+          <a:p>
+            <a:pPr marL="0" lvl="0" indent="0" algn="just" rtl="0">
+              <a:spcBef>
+                <a:spcPts val="0"/>
+              </a:spcBef>
+              <a:spcAft>
+                <a:spcPts val="1200"/>
+              </a:spcAft>
+              <a:buNone/>
+            </a:pPr>
+            <a:r>
+              <a:rPr lang="en-US" sz="1200" dirty="0">
+                <a:solidFill>
+                  <a:schemeClr val="lt1"/>
+                </a:solidFill>
+                <a:latin typeface="Source Sans Pro"/>
+                <a:ea typeface="Source Sans Pro"/>
+                <a:cs typeface="Source Sans Pro"/>
+                <a:sym typeface="Source Sans Pro"/>
+              </a:rPr>
+              <a:t>Unlike algorithmic art and GAN-generated artwork, AvataaarX creation is lightning fast.</a:t>
+            </a:r>
           </a:p>
         </p:txBody>
       </p:sp>
+      <p:graphicFrame>
+        <p:nvGraphicFramePr>
+          <p:cNvPr id="2" name="Table 2">
+            <a:extLst>
+              <a:ext uri="{FF2B5EF4-FFF2-40B4-BE49-F238E27FC236}">
+                <a16:creationId xmlns:a16="http://schemas.microsoft.com/office/drawing/2014/main" id="{BD60FAF8-0AED-9546-A70B-4687FE08E25A}"/>
+              </a:ext>
+            </a:extLst>
+          </p:cNvPr>
+          <p:cNvGraphicFramePr>
+            <a:graphicFrameLocks noGrp="1"/>
+          </p:cNvGraphicFramePr>
+          <p:nvPr>
+            <p:extLst>
+              <p:ext uri="{D42A27DB-BD31-4B8C-83A1-F6EECF244321}">
+                <p14:modId xmlns:p14="http://schemas.microsoft.com/office/powerpoint/2010/main" val="2903500032"/>
+              </p:ext>
+            </p:extLst>
+          </p:nvPr>
+        </p:nvGraphicFramePr>
+        <p:xfrm>
+          <a:off x="5059680" y="3266942"/>
+          <a:ext cx="3772620" cy="1127760"/>
+        </p:xfrm>
+        <a:graphic>
+          <a:graphicData uri="http://schemas.openxmlformats.org/drawingml/2006/table">
+            <a:tbl>
+              <a:tblPr firstRow="1" bandRow="1">
+                <a:tableStyleId>{5C22544A-7EE6-4342-B048-85BDC9FD1C3A}</a:tableStyleId>
+              </a:tblPr>
+              <a:tblGrid>
+                <a:gridCol w="1886310">
+                  <a:extLst>
+                    <a:ext uri="{9D8B030D-6E8A-4147-A177-3AD203B41FA5}">
+                      <a16:colId xmlns:a16="http://schemas.microsoft.com/office/drawing/2014/main" val="3763743208"/>
+                    </a:ext>
+                  </a:extLst>
+                </a:gridCol>
+                <a:gridCol w="1886310">
+                  <a:extLst>
+                    <a:ext uri="{9D8B030D-6E8A-4147-A177-3AD203B41FA5}">
+                      <a16:colId xmlns:a16="http://schemas.microsoft.com/office/drawing/2014/main" val="1325458111"/>
+                    </a:ext>
+                  </a:extLst>
+                </a:gridCol>
+              </a:tblGrid>
+              <a:tr h="468205">
+                <a:tc>
+                  <a:txBody>
+                    <a:bodyPr/>
+                    <a:lstStyle/>
+                    <a:p>
+                      <a:r>
+                        <a:rPr lang="en-US" dirty="0"/>
+                        <a:t>No. of AvataaarsXs</a:t>
+                      </a:r>
+                    </a:p>
+                  </a:txBody>
+                  <a:tcPr/>
+                </a:tc>
+                <a:tc>
+                  <a:txBody>
+                    <a:bodyPr/>
+                    <a:lstStyle/>
+                    <a:p>
+                      <a:r>
+                        <a:rPr lang="en-US" dirty="0"/>
+                        <a:t>Approximate time taken to generate</a:t>
+                      </a:r>
+                    </a:p>
+                  </a:txBody>
+                  <a:tcPr/>
+                </a:tc>
+                <a:extLst>
+                  <a:ext uri="{0D108BD9-81ED-4DB2-BD59-A6C34878D82A}">
+                    <a16:rowId xmlns:a16="http://schemas.microsoft.com/office/drawing/2014/main" val="892800196"/>
+                  </a:ext>
+                </a:extLst>
+              </a:tr>
+              <a:tr h="275415">
+                <a:tc>
+                  <a:txBody>
+                    <a:bodyPr/>
+                    <a:lstStyle/>
+                    <a:p>
+                      <a:r>
+                        <a:rPr lang="en-US" dirty="0"/>
+                        <a:t>1,000</a:t>
+                      </a:r>
+                    </a:p>
+                  </a:txBody>
+                  <a:tcPr/>
+                </a:tc>
+                <a:tc>
+                  <a:txBody>
+                    <a:bodyPr/>
+                    <a:lstStyle/>
+                    <a:p>
+                      <a:r>
+                        <a:rPr lang="en-US" dirty="0"/>
+                        <a:t>3 minutes</a:t>
+                      </a:r>
+                    </a:p>
+                  </a:txBody>
+                  <a:tcPr/>
+                </a:tc>
+                <a:extLst>
+                  <a:ext uri="{0D108BD9-81ED-4DB2-BD59-A6C34878D82A}">
+                    <a16:rowId xmlns:a16="http://schemas.microsoft.com/office/drawing/2014/main" val="1964540673"/>
+                  </a:ext>
+                </a:extLst>
+              </a:tr>
+              <a:tr h="275415">
+                <a:tc>
+                  <a:txBody>
+                    <a:bodyPr/>
+                    <a:lstStyle/>
+                    <a:p>
+                      <a:r>
+                        <a:rPr lang="en-US" dirty="0"/>
+                        <a:t>10,000</a:t>
+                      </a:r>
+                    </a:p>
+                  </a:txBody>
+                  <a:tcPr/>
+                </a:tc>
+                <a:tc>
+                  <a:txBody>
+                    <a:bodyPr/>
+                    <a:lstStyle/>
+                    <a:p>
+                      <a:r>
+                        <a:rPr lang="en-US" dirty="0"/>
+                        <a:t>34 minutes</a:t>
+                      </a:r>
+                    </a:p>
+                  </a:txBody>
+                  <a:tcPr/>
+                </a:tc>
+                <a:extLst>
+                  <a:ext uri="{0D108BD9-81ED-4DB2-BD59-A6C34878D82A}">
+                    <a16:rowId xmlns:a16="http://schemas.microsoft.com/office/drawing/2014/main" val="2799717386"/>
+                  </a:ext>
+                </a:extLst>
+              </a:tr>
+            </a:tbl>
+          </a:graphicData>
+        </a:graphic>
+      </p:graphicFrame>
     </p:spTree>
   </p:cSld>
   <p:clrMapOvr>
